--- a/src/main/webapp/WEB-INF/Files/2023-06/10.calendar06.pptx
+++ b/src/main/webapp/WEB-INF/Files/2023-06/10.calendar06.pptx
@@ -4832,22 +4832,6 @@
                         </a:rPr>
                         <a:t> ● 전광호</a:t>
                       </a:r>
-                      <a:r>
-                        <a:rPr altLang="ko-KR" dirty="0" lang="en-US" smtClean="0" sz="900">
-                          <a:latin charset="-127" panose="020B0503020000020004" pitchFamily="50" typeface="맑은 고딕"/>
-                          <a:ea charset="-127" panose="020B0503020000020004" pitchFamily="50" typeface="맑은 고딕"/>
-                        </a:rPr>
-                        <a:t/>
-                      </a:r>
-                    </a:p>
-                    <a:p>
-                      <a:r>
-                        <a:rPr altLang="ko-KR" dirty="0" lang="en-US" smtClean="0" sz="900">
-                          <a:latin charset="-127" panose="020B0503020000020004" pitchFamily="50" typeface="맑은 고딕"/>
-                          <a:ea charset="-127" panose="020B0503020000020004" pitchFamily="50" typeface="맑은 고딕"/>
-                        </a:rPr>
-                        <a:t> ● 이지은</a:t>
-                      </a:r>
                     </a:p>
                   </a:txBody>
                   <a:tcPr marB="45716" marT="45716">
@@ -5913,22 +5897,6 @@
                           <a:ea charset="-127" panose="020B0503020000020004" pitchFamily="50" typeface="맑은 고딕"/>
                         </a:rPr>
                         <a:t> ◑ 권지수</a:t>
-                      </a:r>
-                      <a:r>
-                        <a:rPr altLang="ko-KR" dirty="0" lang="en-US" smtClean="0" sz="900">
-                          <a:latin charset="-127" panose="020B0503020000020004" pitchFamily="50" typeface="맑은 고딕"/>
-                          <a:ea charset="-127" panose="020B0503020000020004" pitchFamily="50" typeface="맑은 고딕"/>
-                        </a:rPr>
-                        <a:t/>
-                      </a:r>
-                    </a:p>
-                    <a:p>
-                      <a:r>
-                        <a:rPr altLang="ko-KR" dirty="0" lang="en-US" smtClean="0" sz="900">
-                          <a:latin charset="-127" panose="020B0503020000020004" pitchFamily="50" typeface="맑은 고딕"/>
-                          <a:ea charset="-127" panose="020B0503020000020004" pitchFamily="50" typeface="맑은 고딕"/>
-                        </a:rPr>
-                        <a:t> ● 이지은</a:t>
                       </a:r>
                     </a:p>
                   </a:txBody>
